--- a/examples/extract/sample1-1_enhanced.pptx
+++ b/examples/extract/sample1-1_enhanced.pptx
@@ -3083,21 +3083,62 @@
   <p:cSld>
     <p:spTree>
       <p:nvGrpSpPr>
-        <p:cNvPr id="1" name=""/>
+        <p:cNvPr id="1" name="Shape 54"/>
         <p:cNvGrpSpPr/>
         <p:nvPr/>
       </p:nvGrpSpPr>
-      <p:grpSpPr/>
-      <p:sp>
-        <p:nvSpPr>
-          <p:cNvPr id="2" name="Freeform 1"/>
+      <p:grpSpPr>
+        <a:xfrm>
+          <a:off x="0" y="0"/>
+          <a:ext cx="0" cy="0"/>
+          <a:chOff x="0" y="0"/>
+          <a:chExt cx="0" cy="0"/>
+        </a:xfrm>
+      </p:grpSpPr>
+      <p:sp>
+        <p:nvSpPr>
+          <p:cNvPr id="2" name="Title 1"/>
+          <p:cNvSpPr>
+            <a:spLocks noGrp="1"/>
+          </p:cNvSpPr>
+          <p:nvPr>
+            <p:ph type="ctrTitle"/>
+          </p:nvPr>
+        </p:nvSpPr>
+        <p:spPr/>
+        <p:txBody>
+          <a:bodyPr/>
+          <a:lstStyle/>
+          <a:p/>
+        </p:txBody>
+      </p:sp>
+      <p:sp>
+        <p:nvSpPr>
+          <p:cNvPr id="3" name="Subtitle 2"/>
+          <p:cNvSpPr>
+            <a:spLocks noGrp="1"/>
+          </p:cNvSpPr>
+          <p:nvPr>
+            <p:ph type="subTitle" idx="1"/>
+          </p:nvPr>
+        </p:nvSpPr>
+        <p:spPr/>
+        <p:txBody>
+          <a:bodyPr/>
+          <a:lstStyle/>
+          <a:p/>
+        </p:txBody>
+      </p:sp>
+      <p:sp>
+        <p:nvSpPr>
+          <p:cNvPr id="55" name="Google Shape;55;p15"/>
           <p:cNvSpPr/>
           <p:nvPr/>
         </p:nvSpPr>
         <p:spPr>
           <a:xfrm>
-            <a:off x="1695233" y="992700"/>
-            <a:ext cx="13985464" cy="13985469"/>
+            <a:off x="457198" y="411475"/>
+            <a:ext cx="4305240" cy="5400478"/>
           </a:xfrm>
           <a:custGeom>
             <a:avLst/>
@@ -3106,45 +3147,198 @@
             <a:cxnLst/>
             <a:rect l="l" t="t" r="r" b="b"/>
             <a:pathLst>
-              <a:path w="13985464" h="13985469">
+              <a:path w="68405" h="85807" extrusionOk="0">
                 <a:moveTo>
-                  <a:pt x="13985464" y="0"/>
+                  <a:pt x="0" y="11543"/>
                 </a:moveTo>
                 <a:lnTo>
-                  <a:pt x="11188371" y="2797093"/>
+                  <a:pt x="0" y="85807"/>
                 </a:lnTo>
                 <a:lnTo>
-                  <a:pt x="8391278" y="5594187"/>
+                  <a:pt x="68405" y="85807"/>
                 </a:lnTo>
                 <a:lnTo>
-                  <a:pt x="5594185" y="8391281"/>
+                  <a:pt x="68405" y="0"/>
                 </a:lnTo>
                 <a:lnTo>
-                  <a:pt x="2797093" y="11188375"/>
+                  <a:pt x="11566" y="18"/>
+                </a:lnTo>
+                <a:close/>
+              </a:path>
+            </a:pathLst>
+          </a:custGeom>
+          <a:solidFill>
+            <a:srgbClr val="EFEFEF"/>
+          </a:solidFill>
+          <a:ln>
+            <a:noFill/>
+          </a:ln>
+        </p:spPr>
+        <p:txBody>
+          <a:bodyPr/>
+          <a:lstStyle/>
+          <a:p>
+            <a:endParaRPr lang="en-KR"/>
+          </a:p>
+        </p:txBody>
+      </p:sp>
+      <p:sp>
+        <p:nvSpPr>
+          <p:cNvPr id="56" name="TextBox 55"/>
+          <p:cNvSpPr txBox="1"/>
+          <p:nvPr/>
+        </p:nvSpPr>
+        <p:spPr>
+          <a:xfrm>
+            <a:off x="5032425" y="3493438"/>
+            <a:ext cx="3654300" cy="405600"/>
+          </a:xfrm>
+          <a:prstGeom prst="rect">
+            <a:avLst/>
+          </a:prstGeom>
+          <a:noFill/>
+          <a:ln>
+            <a:solidFill/>
+          </a:ln>
+        </p:spPr>
+        <p:txBody>
+          <a:bodyPr wrap="square">
+            <a:spAutoFit/>
+          </a:bodyPr>
+          <a:lstStyle/>
+          <a:p/>
+          <a:p>
+            <a:r>
+              <a:rPr sz="1400"/>
+              <a:t>Here is where this template begins</a:t>
+            </a:r>
+          </a:p>
+        </p:txBody>
+      </p:sp>
+      <p:sp>
+        <p:nvSpPr>
+          <p:cNvPr id="57" name="TextBox 56"/>
+          <p:cNvSpPr txBox="1"/>
+          <p:nvPr/>
+        </p:nvSpPr>
+        <p:spPr>
+          <a:xfrm>
+            <a:off x="5032550" y="1244463"/>
+            <a:ext cx="3654300" cy="2172900"/>
+          </a:xfrm>
+          <a:prstGeom prst="rect">
+            <a:avLst/>
+          </a:prstGeom>
+          <a:noFill/>
+          <a:ln>
+            <a:solidFill/>
+          </a:ln>
+        </p:spPr>
+        <p:txBody>
+          <a:bodyPr wrap="square">
+            <a:spAutoFit/>
+          </a:bodyPr>
+          <a:lstStyle/>
+          <a:p/>
+          <a:p>
+            <a:r>
+              <a:rPr sz="1400"/>
+              <a:t>Design Elements Infographics</a:t>
+            </a:r>
+          </a:p>
+        </p:txBody>
+      </p:sp>
+      <p:sp>
+        <p:nvSpPr>
+          <p:cNvPr id="58" name="Google Shape;58;p15"/>
+          <p:cNvSpPr/>
+          <p:nvPr/>
+        </p:nvSpPr>
+        <p:spPr>
+          <a:xfrm>
+            <a:off x="457198" y="411475"/>
+            <a:ext cx="726493" cy="726493"/>
+          </a:xfrm>
+          <a:custGeom>
+            <a:avLst/>
+            <a:gdLst/>
+            <a:ahLst/>
+            <a:cxnLst/>
+            <a:rect l="l" t="t" r="r" b="b"/>
+            <a:pathLst>
+              <a:path w="11367" h="11367" extrusionOk="0">
+                <a:moveTo>
+                  <a:pt x="0" y="11367"/>
+                </a:moveTo>
+                <a:lnTo>
+                  <a:pt x="11367" y="0"/>
                 </a:lnTo>
                 <a:lnTo>
-                  <a:pt x="0" y="13985469"/>
+                  <a:pt x="11367" y="11367"/>
                 </a:lnTo>
+                <a:close/>
+              </a:path>
+            </a:pathLst>
+          </a:custGeom>
+          <a:solidFill>
+            <a:srgbClr val="D9D9D9"/>
+          </a:solidFill>
+          <a:ln>
+            <a:noFill/>
+          </a:ln>
+          <a:effectLst>
+            <a:outerShdw blurRad="71438" dist="19050" dir="2640000" algn="bl" rotWithShape="0">
+              <a:srgbClr val="000000">
+                <a:alpha val="25000"/>
+              </a:srgbClr>
+            </a:outerShdw>
+          </a:effectLst>
+        </p:spPr>
+        <p:txBody>
+          <a:bodyPr/>
+          <a:lstStyle/>
+          <a:p>
+            <a:endParaRPr lang="en-KR"/>
+          </a:p>
+        </p:txBody>
+      </p:sp>
+      <p:sp>
+        <p:nvSpPr>
+          <p:cNvPr id="59" name="Google Shape;59;p15"/>
+          <p:cNvSpPr/>
+          <p:nvPr/>
+        </p:nvSpPr>
+        <p:spPr>
+          <a:xfrm>
+            <a:off x="1695000" y="992700"/>
+            <a:ext cx="917712" cy="917697"/>
+          </a:xfrm>
+          <a:custGeom>
+            <a:avLst/>
+            <a:gdLst/>
+            <a:ahLst/>
+            <a:cxnLst/>
+            <a:rect l="l" t="t" r="r" b="b"/>
+            <a:pathLst>
+              <a:path w="59991" h="59990" extrusionOk="0">
+                <a:moveTo>
+                  <a:pt x="59990" y="0"/>
+                </a:moveTo>
+                <a:cubicBezTo>
+                  <a:pt x="26871" y="0"/>
+                  <a:pt x="1" y="26870"/>
+                  <a:pt x="1" y="59989"/>
+                </a:cubicBezTo>
                 <a:lnTo>
-                  <a:pt x="8816654" y="13985469"/>
+                  <a:pt x="37819" y="59989"/>
                 </a:lnTo>
+                <a:cubicBezTo>
+                  <a:pt x="37819" y="47691"/>
+                  <a:pt x="47717" y="37693"/>
+                  <a:pt x="59990" y="37693"/>
+                </a:cubicBezTo>
                 <a:lnTo>
-                  <a:pt x="9850416" y="12945878"/>
-                </a:lnTo>
-                <a:lnTo>
-                  <a:pt x="10884178" y="11906287"/>
-                </a:lnTo>
-                <a:lnTo>
-                  <a:pt x="11917940" y="10866697"/>
-                </a:lnTo>
-                <a:lnTo>
-                  <a:pt x="12951702" y="9827106"/>
-                </a:lnTo>
-                <a:lnTo>
-                  <a:pt x="13985464" y="8787515"/>
-                </a:lnTo>
-                <a:lnTo>
-                  <a:pt x="13985464" y="0"/>
+                  <a:pt x="59990" y="0"/>
                 </a:lnTo>
                 <a:close/>
               </a:path>
@@ -3154,28 +3348,471 @@
             <a:schemeClr val="accent1"/>
           </a:solidFill>
           <a:ln>
-            <a:solidFill/>
+            <a:noFill/>
           </a:ln>
         </p:spPr>
-        <p:style>
-          <a:lnRef idx="1">
+        <p:txBody>
+          <a:bodyPr spcFirstLastPara="1" wrap="square" lIns="91425" tIns="91425" rIns="91425" bIns="91425" anchor="ctr" anchorCtr="0">
+            <a:noAutofit/>
+          </a:bodyPr>
+          <a:lstStyle/>
+          <a:p>
+            <a:pPr marL="0" lvl="0" indent="0" algn="l" rtl="0">
+              <a:spcBef>
+                <a:spcPts val="0"/>
+              </a:spcBef>
+              <a:spcAft>
+                <a:spcPts val="0"/>
+              </a:spcAft>
+              <a:buNone/>
+            </a:pPr>
+            <a:endParaRPr/>
+          </a:p>
+        </p:txBody>
+      </p:sp>
+      <p:sp>
+        <p:nvSpPr>
+          <p:cNvPr id="60" name="Google Shape;60;p15"/>
+          <p:cNvSpPr/>
+          <p:nvPr/>
+        </p:nvSpPr>
+        <p:spPr>
+          <a:xfrm>
+            <a:off x="2606911" y="992700"/>
+            <a:ext cx="917697" cy="917697"/>
+          </a:xfrm>
+          <a:custGeom>
+            <a:avLst/>
+            <a:gdLst/>
+            <a:ahLst/>
+            <a:cxnLst/>
+            <a:rect l="l" t="t" r="r" b="b"/>
+            <a:pathLst>
+              <a:path w="59990" h="59990" extrusionOk="0">
+                <a:moveTo>
+                  <a:pt x="0" y="0"/>
+                </a:moveTo>
+                <a:lnTo>
+                  <a:pt x="0" y="37693"/>
+                </a:lnTo>
+                <a:cubicBezTo>
+                  <a:pt x="12298" y="37693"/>
+                  <a:pt x="22196" y="47691"/>
+                  <a:pt x="22196" y="59989"/>
+                </a:cubicBezTo>
+                <a:lnTo>
+                  <a:pt x="59990" y="59989"/>
+                </a:lnTo>
+                <a:cubicBezTo>
+                  <a:pt x="59990" y="26870"/>
+                  <a:pt x="33119" y="0"/>
+                  <a:pt x="0" y="0"/>
+                </a:cubicBezTo>
+                <a:close/>
+              </a:path>
+            </a:pathLst>
+          </a:custGeom>
+          <a:solidFill>
+            <a:schemeClr val="accent4"/>
+          </a:solidFill>
+          <a:ln>
+            <a:noFill/>
+          </a:ln>
+        </p:spPr>
+        <p:txBody>
+          <a:bodyPr spcFirstLastPara="1" wrap="square" lIns="91425" tIns="91425" rIns="91425" bIns="91425" anchor="ctr" anchorCtr="0">
+            <a:noAutofit/>
+          </a:bodyPr>
+          <a:lstStyle/>
+          <a:p>
+            <a:pPr marL="0" lvl="0" indent="0" algn="l" rtl="0">
+              <a:spcBef>
+                <a:spcPts val="0"/>
+              </a:spcBef>
+              <a:spcAft>
+                <a:spcPts val="0"/>
+              </a:spcAft>
+              <a:buNone/>
+            </a:pPr>
+            <a:endParaRPr/>
+          </a:p>
+        </p:txBody>
+      </p:sp>
+      <p:sp>
+        <p:nvSpPr>
+          <p:cNvPr id="61" name="Google Shape;61;p15"/>
+          <p:cNvSpPr/>
+          <p:nvPr/>
+        </p:nvSpPr>
+        <p:spPr>
+          <a:xfrm>
+            <a:off x="1695000" y="1904593"/>
+            <a:ext cx="917712" cy="916167"/>
+          </a:xfrm>
+          <a:custGeom>
+            <a:avLst/>
+            <a:gdLst/>
+            <a:ahLst/>
+            <a:cxnLst/>
+            <a:rect l="l" t="t" r="r" b="b"/>
+            <a:pathLst>
+              <a:path w="59991" h="59890" extrusionOk="0">
+                <a:moveTo>
+                  <a:pt x="1" y="0"/>
+                </a:moveTo>
+                <a:cubicBezTo>
+                  <a:pt x="1" y="33019"/>
+                  <a:pt x="26871" y="59889"/>
+                  <a:pt x="59990" y="59889"/>
+                </a:cubicBezTo>
+                <a:lnTo>
+                  <a:pt x="59990" y="22196"/>
+                </a:lnTo>
+                <a:cubicBezTo>
+                  <a:pt x="47717" y="22196"/>
+                  <a:pt x="37819" y="12198"/>
+                  <a:pt x="37819" y="0"/>
+                </a:cubicBezTo>
+                <a:close/>
+              </a:path>
+            </a:pathLst>
+          </a:custGeom>
+          <a:solidFill>
+            <a:schemeClr val="accent2"/>
+          </a:solidFill>
+          <a:ln>
+            <a:noFill/>
+          </a:ln>
+        </p:spPr>
+        <p:txBody>
+          <a:bodyPr spcFirstLastPara="1" wrap="square" lIns="91425" tIns="91425" rIns="91425" bIns="91425" anchor="ctr" anchorCtr="0">
+            <a:noAutofit/>
+          </a:bodyPr>
+          <a:lstStyle/>
+          <a:p>
+            <a:pPr marL="0" lvl="0" indent="0" algn="l" rtl="0">
+              <a:spcBef>
+                <a:spcPts val="0"/>
+              </a:spcBef>
+              <a:spcAft>
+                <a:spcPts val="0"/>
+              </a:spcAft>
+              <a:buNone/>
+            </a:pPr>
+            <a:endParaRPr/>
+          </a:p>
+        </p:txBody>
+      </p:sp>
+      <p:sp>
+        <p:nvSpPr>
+          <p:cNvPr id="62" name="Google Shape;62;p15"/>
+          <p:cNvSpPr/>
+          <p:nvPr/>
+        </p:nvSpPr>
+        <p:spPr>
+          <a:xfrm>
+            <a:off x="2606911" y="1904593"/>
+            <a:ext cx="917697" cy="916167"/>
+          </a:xfrm>
+          <a:custGeom>
+            <a:avLst/>
+            <a:gdLst/>
+            <a:ahLst/>
+            <a:cxnLst/>
+            <a:rect l="l" t="t" r="r" b="b"/>
+            <a:pathLst>
+              <a:path w="59990" h="59890" extrusionOk="0">
+                <a:moveTo>
+                  <a:pt x="22196" y="0"/>
+                </a:moveTo>
+                <a:cubicBezTo>
+                  <a:pt x="22196" y="12198"/>
+                  <a:pt x="12298" y="22196"/>
+                  <a:pt x="0" y="22196"/>
+                </a:cubicBezTo>
+                <a:lnTo>
+                  <a:pt x="0" y="59889"/>
+                </a:lnTo>
+                <a:cubicBezTo>
+                  <a:pt x="33119" y="59889"/>
+                  <a:pt x="59990" y="33019"/>
+                  <a:pt x="59990" y="0"/>
+                </a:cubicBezTo>
+                <a:close/>
+              </a:path>
+            </a:pathLst>
+          </a:custGeom>
+          <a:solidFill>
+            <a:schemeClr val="accent3"/>
+          </a:solidFill>
+          <a:ln>
+            <a:noFill/>
+          </a:ln>
+        </p:spPr>
+        <p:txBody>
+          <a:bodyPr spcFirstLastPara="1" wrap="square" lIns="91425" tIns="91425" rIns="91425" bIns="91425" anchor="ctr" anchorCtr="0">
+            <a:noAutofit/>
+          </a:bodyPr>
+          <a:lstStyle/>
+          <a:p>
+            <a:pPr marL="0" lvl="0" indent="0" algn="l" rtl="0">
+              <a:spcBef>
+                <a:spcPts val="0"/>
+              </a:spcBef>
+              <a:spcAft>
+                <a:spcPts val="0"/>
+              </a:spcAft>
+              <a:buNone/>
+            </a:pPr>
+            <a:endParaRPr/>
+          </a:p>
+        </p:txBody>
+      </p:sp>
+      <p:sp>
+        <p:nvSpPr>
+          <p:cNvPr id="63" name="Google Shape;63;p15"/>
+          <p:cNvSpPr/>
+          <p:nvPr/>
+        </p:nvSpPr>
+        <p:spPr>
+          <a:xfrm flipH="1">
+            <a:off x="3189187" y="3454202"/>
+            <a:ext cx="335413" cy="980442"/>
+          </a:xfrm>
+          <a:custGeom>
+            <a:avLst/>
+            <a:gdLst/>
+            <a:ahLst/>
+            <a:cxnLst/>
+            <a:rect l="l" t="t" r="r" b="b"/>
+            <a:pathLst>
+              <a:path w="2302" h="14545" extrusionOk="0">
+                <a:moveTo>
+                  <a:pt x="0" y="1"/>
+                </a:moveTo>
+                <a:lnTo>
+                  <a:pt x="0" y="14545"/>
+                </a:lnTo>
+                <a:lnTo>
+                  <a:pt x="2302" y="14545"/>
+                </a:lnTo>
+                <a:lnTo>
+                  <a:pt x="2302" y="1"/>
+                </a:lnTo>
+                <a:close/>
+              </a:path>
+            </a:pathLst>
+          </a:custGeom>
+          <a:solidFill>
+            <a:schemeClr val="accent5"/>
+          </a:solidFill>
+          <a:ln>
+            <a:noFill/>
+          </a:ln>
+        </p:spPr>
+        <p:txBody>
+          <a:bodyPr spcFirstLastPara="1" wrap="square" lIns="91425" tIns="91425" rIns="91425" bIns="91425" anchor="ctr" anchorCtr="0">
+            <a:noAutofit/>
+          </a:bodyPr>
+          <a:lstStyle/>
+          <a:p>
+            <a:pPr marL="0" lvl="0" indent="0" algn="l" rtl="0">
+              <a:spcBef>
+                <a:spcPts val="0"/>
+              </a:spcBef>
+              <a:spcAft>
+                <a:spcPts val="0"/>
+              </a:spcAft>
+              <a:buNone/>
+            </a:pPr>
+            <a:endParaRPr/>
+          </a:p>
+        </p:txBody>
+      </p:sp>
+      <p:sp>
+        <p:nvSpPr>
+          <p:cNvPr id="64" name="Google Shape;64;p15"/>
+          <p:cNvSpPr/>
+          <p:nvPr/>
+        </p:nvSpPr>
+        <p:spPr>
+          <a:xfrm flipH="1">
+            <a:off x="2691115" y="3150352"/>
+            <a:ext cx="335415" cy="1284290"/>
+          </a:xfrm>
+          <a:custGeom>
+            <a:avLst/>
+            <a:gdLst/>
+            <a:ahLst/>
+            <a:cxnLst/>
+            <a:rect l="l" t="t" r="r" b="b"/>
+            <a:pathLst>
+              <a:path w="2303" h="15812" extrusionOk="0">
+                <a:moveTo>
+                  <a:pt x="1" y="0"/>
+                </a:moveTo>
+                <a:lnTo>
+                  <a:pt x="1" y="15812"/>
+                </a:lnTo>
+                <a:lnTo>
+                  <a:pt x="2302" y="15812"/>
+                </a:lnTo>
+                <a:lnTo>
+                  <a:pt x="2302" y="0"/>
+                </a:lnTo>
+                <a:close/>
+              </a:path>
+            </a:pathLst>
+          </a:custGeom>
+          <a:solidFill>
+            <a:schemeClr val="accent4"/>
+          </a:solidFill>
+          <a:ln>
+            <a:noFill/>
+          </a:ln>
+        </p:spPr>
+        <p:txBody>
+          <a:bodyPr spcFirstLastPara="1" wrap="square" lIns="91425" tIns="91425" rIns="91425" bIns="91425" anchor="ctr" anchorCtr="0">
+            <a:noAutofit/>
+          </a:bodyPr>
+          <a:lstStyle/>
+          <a:p>
+            <a:pPr marL="0" lvl="0" indent="0" algn="l" rtl="0">
+              <a:spcBef>
+                <a:spcPts val="0"/>
+              </a:spcBef>
+              <a:spcAft>
+                <a:spcPts val="0"/>
+              </a:spcAft>
+              <a:buNone/>
+            </a:pPr>
+            <a:endParaRPr>
+              <a:solidFill>
+                <a:srgbClr val="FF8817"/>
+              </a:solidFill>
+            </a:endParaRPr>
+          </a:p>
+        </p:txBody>
+      </p:sp>
+      <p:sp>
+        <p:nvSpPr>
+          <p:cNvPr id="65" name="Google Shape;65;p15"/>
+          <p:cNvSpPr/>
+          <p:nvPr/>
+        </p:nvSpPr>
+        <p:spPr>
+          <a:xfrm flipH="1">
+            <a:off x="2193061" y="3814799"/>
+            <a:ext cx="335415" cy="617364"/>
+          </a:xfrm>
+          <a:custGeom>
+            <a:avLst/>
+            <a:gdLst/>
+            <a:ahLst/>
+            <a:cxnLst/>
+            <a:rect l="l" t="t" r="r" b="b"/>
+            <a:pathLst>
+              <a:path w="2303" h="11209" extrusionOk="0">
+                <a:moveTo>
+                  <a:pt x="1" y="0"/>
+                </a:moveTo>
+                <a:lnTo>
+                  <a:pt x="1" y="11208"/>
+                </a:lnTo>
+                <a:lnTo>
+                  <a:pt x="2302" y="11208"/>
+                </a:lnTo>
+                <a:lnTo>
+                  <a:pt x="2302" y="0"/>
+                </a:lnTo>
+                <a:close/>
+              </a:path>
+            </a:pathLst>
+          </a:custGeom>
+          <a:solidFill>
+            <a:schemeClr val="accent2"/>
+          </a:solidFill>
+          <a:ln>
+            <a:noFill/>
+          </a:ln>
+        </p:spPr>
+        <p:txBody>
+          <a:bodyPr spcFirstLastPara="1" wrap="square" lIns="91425" tIns="91425" rIns="91425" bIns="91425" anchor="ctr" anchorCtr="0">
+            <a:noAutofit/>
+          </a:bodyPr>
+          <a:lstStyle/>
+          <a:p>
+            <a:pPr marL="0" lvl="0" indent="0" algn="l" rtl="0">
+              <a:spcBef>
+                <a:spcPts val="0"/>
+              </a:spcBef>
+              <a:spcAft>
+                <a:spcPts val="0"/>
+              </a:spcAft>
+              <a:buNone/>
+            </a:pPr>
+            <a:endParaRPr/>
+          </a:p>
+        </p:txBody>
+      </p:sp>
+      <p:sp>
+        <p:nvSpPr>
+          <p:cNvPr id="66" name="Google Shape;66;p15"/>
+          <p:cNvSpPr/>
+          <p:nvPr/>
+        </p:nvSpPr>
+        <p:spPr>
+          <a:xfrm flipH="1">
+            <a:off x="1695000" y="3559980"/>
+            <a:ext cx="335415" cy="874591"/>
+          </a:xfrm>
+          <a:custGeom>
+            <a:avLst/>
+            <a:gdLst/>
+            <a:ahLst/>
+            <a:cxnLst/>
+            <a:rect l="l" t="t" r="r" b="b"/>
+            <a:pathLst>
+              <a:path w="2303" h="14545" extrusionOk="0">
+                <a:moveTo>
+                  <a:pt x="0" y="1"/>
+                </a:moveTo>
+                <a:lnTo>
+                  <a:pt x="0" y="14545"/>
+                </a:lnTo>
+                <a:lnTo>
+                  <a:pt x="2302" y="14545"/>
+                </a:lnTo>
+                <a:lnTo>
+                  <a:pt x="2302" y="1"/>
+                </a:lnTo>
+                <a:close/>
+              </a:path>
+            </a:pathLst>
+          </a:custGeom>
+          <a:solidFill>
             <a:schemeClr val="accent1"/>
-          </a:lnRef>
-          <a:fillRef idx="3">
-            <a:schemeClr val="accent1"/>
-          </a:fillRef>
-          <a:effectRef idx="2">
-            <a:schemeClr val="accent1"/>
-          </a:effectRef>
-          <a:fontRef idx="minor">
-            <a:schemeClr val="lt1"/>
-          </a:fontRef>
-        </p:style>
-        <p:txBody>
-          <a:bodyPr rtlCol="0" anchor="ctr"/>
-          <a:lstStyle/>
-          <a:p>
-            <a:pPr algn="ctr"/>
+          </a:solidFill>
+          <a:ln>
+            <a:noFill/>
+          </a:ln>
+        </p:spPr>
+        <p:txBody>
+          <a:bodyPr spcFirstLastPara="1" wrap="square" lIns="91425" tIns="91425" rIns="91425" bIns="91425" anchor="ctr" anchorCtr="0">
+            <a:noAutofit/>
+          </a:bodyPr>
+          <a:lstStyle/>
+          <a:p>
+            <a:pPr marL="0" lvl="0" indent="0" algn="l" rtl="0">
+              <a:spcBef>
+                <a:spcPts val="0"/>
+              </a:spcBef>
+              <a:spcAft>
+                <a:spcPts val="0"/>
+              </a:spcAft>
+              <a:buNone/>
+            </a:pPr>
+            <a:endParaRPr/>
           </a:p>
         </p:txBody>
       </p:sp>
